--- a/斗地主设计.pptx
+++ b/斗地主设计.pptx
@@ -5,7 +5,7 @@
     <p:sldMasterId id="2147483648" r:id="rId1"/>
   </p:sldMasterIdLst>
   <p:notesMasterIdLst>
-    <p:notesMasterId r:id="rId27"/>
+    <p:notesMasterId r:id="rId29"/>
   </p:notesMasterIdLst>
   <p:sldIdLst>
     <p:sldId id="256" r:id="rId3"/>
@@ -28,10 +28,12 @@
     <p:sldId id="263" r:id="rId20"/>
     <p:sldId id="320" r:id="rId21"/>
     <p:sldId id="270" r:id="rId22"/>
-    <p:sldId id="321" r:id="rId23"/>
-    <p:sldId id="272" r:id="rId24"/>
-    <p:sldId id="282" r:id="rId25"/>
-    <p:sldId id="273" r:id="rId26"/>
+    <p:sldId id="333" r:id="rId23"/>
+    <p:sldId id="321" r:id="rId24"/>
+    <p:sldId id="272" r:id="rId25"/>
+    <p:sldId id="282" r:id="rId26"/>
+    <p:sldId id="338" r:id="rId27"/>
+    <p:sldId id="273" r:id="rId28"/>
   </p:sldIdLst>
   <p:sldSz cx="12192000" cy="6858000"/>
   <p:notesSz cx="6858000" cy="9144000"/>
@@ -155,9 +157,11 @@
             <p14:sldId id="263"/>
             <p14:sldId id="320"/>
             <p14:sldId id="270"/>
+            <p14:sldId id="333"/>
             <p14:sldId id="321"/>
             <p14:sldId id="272"/>
             <p14:sldId id="282"/>
+            <p14:sldId id="338"/>
             <p14:sldId id="273"/>
           </p14:sldIdLst>
         </p14:section>
@@ -2207,6 +2211,11 @@
   </dgm:cxnLst>
   <dgm:bg/>
   <dgm:whole/>
+  <dgm:extLst>
+    <a:ext uri="http://schemas.microsoft.com/office/drawing/2008/diagram">
+      <dsp:dataModelExt xmlns:dsp="http://schemas.microsoft.com/office/drawing/2008/diagram" relId="rId5" minVer="http://schemas.openxmlformats.org/drawingml/2006/diagram"/>
+    </a:ext>
+  </dgm:extLst>
 </dgm:dataModel>
 </file>
 
@@ -10245,7 +10254,7 @@
           </p:nvPr>
         </p:nvGraphicFramePr>
         <p:xfrm>
-          <a:off x="587375" y="104775"/>
+          <a:off x="549275" y="104775"/>
           <a:ext cx="10553700" cy="6322695"/>
         </p:xfrm>
         <a:graphic>
@@ -10273,7 +10282,7 @@
                     </p:blipFill>
                     <p:spPr>
                       <a:xfrm>
-                        <a:off x="587375" y="104775"/>
+                        <a:off x="549275" y="104775"/>
                         <a:ext cx="10553700" cy="6322695"/>
                       </a:xfrm>
                       <a:prstGeom prst="rect">
@@ -11154,7 +11163,7 @@
           </p:nvPr>
         </p:nvGraphicFramePr>
         <p:xfrm>
-          <a:off x="1676400" y="1203960"/>
+          <a:off x="1676400" y="1170305"/>
           <a:ext cx="8140700" cy="4518025"/>
         </p:xfrm>
         <a:graphic>
@@ -11182,7 +11191,7 @@
                     </p:blipFill>
                     <p:spPr>
                       <a:xfrm>
-                        <a:off x="1676400" y="1203960"/>
+                        <a:off x="1676400" y="1170305"/>
                         <a:ext cx="8140700" cy="4518025"/>
                       </a:xfrm>
                       <a:prstGeom prst="rect">
@@ -11716,6 +11725,70 @@
 </file>
 
 <file path=ppt/slides/slide21.xml><?xml version="1.0" encoding="utf-8"?>
+<p:sld xmlns:a="http://schemas.openxmlformats.org/drawingml/2006/main" xmlns:r="http://schemas.openxmlformats.org/officeDocument/2006/relationships" xmlns:p="http://schemas.openxmlformats.org/presentationml/2006/main">
+  <p:cSld>
+    <p:spTree>
+      <p:nvGrpSpPr>
+        <p:cNvPr id="1" name=""/>
+        <p:cNvGrpSpPr/>
+        <p:nvPr/>
+      </p:nvGrpSpPr>
+      <p:grpSpPr/>
+      <p:graphicFrame>
+        <p:nvGraphicFramePr>
+          <p:cNvPr id="6" name="对象 5"/>
+          <p:cNvGraphicFramePr/>
+          <p:nvPr/>
+        </p:nvGraphicFramePr>
+        <p:xfrm>
+          <a:off x="18415" y="-15240"/>
+          <a:ext cx="12116435" cy="6889750"/>
+        </p:xfrm>
+        <a:graphic>
+          <a:graphicData uri="http://schemas.openxmlformats.org/presentationml/2006/ole">
+            <mc:AlternateContent xmlns:mc="http://schemas.openxmlformats.org/markup-compatibility/2006">
+              <mc:Choice xmlns:v="urn:schemas-microsoft-com:vml" Requires="v">
+                <p:oleObj spid="_x0000_s7" name="" r:id="rId1" imgW="22263100" imgH="17132300" progId="Visio.Drawing.15">
+                  <p:embed/>
+                </p:oleObj>
+              </mc:Choice>
+              <mc:Fallback>
+                <p:oleObj name="" r:id="rId1" imgW="22263100" imgH="17132300" progId="Visio.Drawing.15">
+                  <p:embed/>
+                  <p:pic>
+                    <p:nvPicPr>
+                      <p:cNvPr id="0" name="图片 6"/>
+                      <p:cNvPicPr/>
+                      <p:nvPr/>
+                    </p:nvPicPr>
+                    <p:blipFill>
+                      <a:blip r:embed="rId2"/>
+                    </p:blipFill>
+                    <p:spPr>
+                      <a:xfrm>
+                        <a:off x="18415" y="-15240"/>
+                        <a:ext cx="12116435" cy="6889750"/>
+                      </a:xfrm>
+                      <a:prstGeom prst="rect">
+                        <a:avLst/>
+                      </a:prstGeom>
+                    </p:spPr>
+                  </p:pic>
+                </p:oleObj>
+              </mc:Fallback>
+            </mc:AlternateContent>
+          </a:graphicData>
+        </a:graphic>
+      </p:graphicFrame>
+    </p:spTree>
+  </p:cSld>
+  <p:clrMapOvr>
+    <a:masterClrMapping/>
+  </p:clrMapOvr>
+</p:sld>
+</file>
+
+<file path=ppt/slides/slide22.xml><?xml version="1.0" encoding="utf-8"?>
 <p:sld xmlns:a="http://schemas.openxmlformats.org/drawingml/2006/main" xmlns:r="http://schemas.openxmlformats.org/officeDocument/2006/relationships" xmlns:p="http://schemas.openxmlformats.org/presentationml/2006/main">
   <p:cSld>
     <p:spTree>
@@ -13209,7 +13282,7 @@
 </p:sld>
 </file>
 
-<file path=ppt/slides/slide22.xml><?xml version="1.0" encoding="utf-8"?>
+<file path=ppt/slides/slide23.xml><?xml version="1.0" encoding="utf-8"?>
 <p:sld xmlns:a="http://schemas.openxmlformats.org/drawingml/2006/main" xmlns:r="http://schemas.openxmlformats.org/officeDocument/2006/relationships" xmlns:p="http://schemas.openxmlformats.org/presentationml/2006/main">
   <p:cSld>
     <p:spTree>
@@ -13230,7 +13303,7 @@
           </p:nvPr>
         </p:nvGraphicFramePr>
         <p:xfrm>
-          <a:off x="1177290" y="698500"/>
+          <a:off x="1113790" y="698500"/>
           <a:ext cx="9375775" cy="5387340"/>
         </p:xfrm>
         <a:graphic>
@@ -13258,7 +13331,7 @@
                     </p:blipFill>
                     <p:spPr>
                       <a:xfrm>
-                        <a:off x="1177290" y="698500"/>
+                        <a:off x="1113790" y="698500"/>
                         <a:ext cx="9375775" cy="5387340"/>
                       </a:xfrm>
                       <a:prstGeom prst="rect">
@@ -13283,7 +13356,7 @@
 </p:sld>
 </file>
 
-<file path=ppt/slides/slide23.xml><?xml version="1.0" encoding="utf-8"?>
+<file path=ppt/slides/slide24.xml><?xml version="1.0" encoding="utf-8"?>
 <p:sld xmlns:a="http://schemas.openxmlformats.org/drawingml/2006/main" xmlns:r="http://schemas.openxmlformats.org/officeDocument/2006/relationships" xmlns:p="http://schemas.openxmlformats.org/presentationml/2006/main">
   <p:cSld>
     <p:spTree>
@@ -13354,7 +13427,55 @@
 </p:sld>
 </file>
 
-<file path=ppt/slides/slide24.xml><?xml version="1.0" encoding="utf-8"?>
+<file path=ppt/slides/slide25.xml><?xml version="1.0" encoding="utf-8"?>
+<p:sld xmlns:a="http://schemas.openxmlformats.org/drawingml/2006/main" xmlns:r="http://schemas.openxmlformats.org/officeDocument/2006/relationships" xmlns:p="http://schemas.openxmlformats.org/presentationml/2006/main">
+  <p:cSld>
+    <p:spTree>
+      <p:nvGrpSpPr>
+        <p:cNvPr id="1" name=""/>
+        <p:cNvGrpSpPr/>
+        <p:nvPr/>
+      </p:nvGrpSpPr>
+      <p:grpSpPr/>
+      <p:pic>
+        <p:nvPicPr>
+          <p:cNvPr id="-2147482595" name="内容占位符 -2147482596"/>
+          <p:cNvPicPr>
+            <a:picLocks noChangeAspect="1"/>
+          </p:cNvPicPr>
+          <p:nvPr>
+            <p:ph idx="1"/>
+          </p:nvPr>
+        </p:nvPicPr>
+        <p:blipFill>
+          <a:blip r:embed="rId1"/>
+          <a:stretch>
+            <a:fillRect/>
+          </a:stretch>
+        </p:blipFill>
+        <p:spPr>
+          <a:xfrm>
+            <a:off x="97155" y="153035"/>
+            <a:ext cx="11822430" cy="6503035"/>
+          </a:xfrm>
+          <a:prstGeom prst="rect">
+            <a:avLst/>
+          </a:prstGeom>
+          <a:noFill/>
+          <a:ln w="9525">
+            <a:noFill/>
+          </a:ln>
+        </p:spPr>
+      </p:pic>
+    </p:spTree>
+  </p:cSld>
+  <p:clrMapOvr>
+    <a:masterClrMapping/>
+  </p:clrMapOvr>
+</p:sld>
+</file>
+
+<file path=ppt/slides/slide26.xml><?xml version="1.0" encoding="utf-8"?>
 <p:sld xmlns:a="http://schemas.openxmlformats.org/drawingml/2006/main" xmlns:r="http://schemas.openxmlformats.org/officeDocument/2006/relationships" xmlns:p="http://schemas.openxmlformats.org/presentationml/2006/main">
   <p:cSld>
     <p:spTree>
